--- a/社群媒體分析期末報告 (M10515048).pptx
+++ b/社群媒體分析期末報告 (M10515048).pptx
@@ -5,7 +5,7 @@
     <p:sldMasterId id="2147483673" r:id="rId1"/>
   </p:sldMasterIdLst>
   <p:notesMasterIdLst>
-    <p:notesMasterId r:id="rId13"/>
+    <p:notesMasterId r:id="rId16"/>
   </p:notesMasterIdLst>
   <p:sldIdLst>
     <p:sldId id="256" r:id="rId2"/>
@@ -16,9 +16,12 @@
     <p:sldId id="261" r:id="rId7"/>
     <p:sldId id="264" r:id="rId8"/>
     <p:sldId id="265" r:id="rId9"/>
-    <p:sldId id="266" r:id="rId10"/>
-    <p:sldId id="262" r:id="rId11"/>
-    <p:sldId id="263" r:id="rId12"/>
+    <p:sldId id="267" r:id="rId10"/>
+    <p:sldId id="268" r:id="rId11"/>
+    <p:sldId id="269" r:id="rId12"/>
+    <p:sldId id="266" r:id="rId13"/>
+    <p:sldId id="262" r:id="rId14"/>
+    <p:sldId id="263" r:id="rId15"/>
   </p:sldIdLst>
   <p:sldSz cx="9144000" cy="5143500" type="screen16x9"/>
   <p:notesSz cx="6858000" cy="9144000"/>
@@ -605,7 +608,7 @@
   <p:cSld>
     <p:spTree>
       <p:nvGrpSpPr>
-        <p:cNvPr id="1" name="Shape 90"/>
+        <p:cNvPr id="1" name="Shape 84"/>
         <p:cNvGrpSpPr/>
         <p:nvPr/>
       </p:nvGrpSpPr>
@@ -619,7 +622,7 @@
       </p:grpSpPr>
       <p:sp>
         <p:nvSpPr>
-          <p:cNvPr id="91" name="Shape 91"/>
+          <p:cNvPr id="85" name="Shape 85"/>
           <p:cNvSpPr>
             <a:spLocks noGrp="1" noRot="1" noChangeAspect="1"/>
           </p:cNvSpPr>
@@ -660,6 +663,324 @@
       </p:sp>
       <p:sp>
         <p:nvSpPr>
+          <p:cNvPr id="86" name="Shape 86"/>
+          <p:cNvSpPr txBox="1">
+            <a:spLocks noGrp="1"/>
+          </p:cNvSpPr>
+          <p:nvPr>
+            <p:ph type="body" idx="1"/>
+          </p:nvPr>
+        </p:nvSpPr>
+        <p:spPr>
+          <a:xfrm>
+            <a:off x="685800" y="4343400"/>
+            <a:ext cx="5486400" cy="4114800"/>
+          </a:xfrm>
+          <a:prstGeom prst="rect">
+            <a:avLst/>
+          </a:prstGeom>
+        </p:spPr>
+        <p:txBody>
+          <a:bodyPr lIns="91425" tIns="91425" rIns="91425" bIns="91425" anchor="t" anchorCtr="0">
+            <a:noAutofit/>
+          </a:bodyPr>
+          <a:lstStyle/>
+          <a:p>
+            <a:pPr lvl="0">
+              <a:spcBef>
+                <a:spcPts val="0"/>
+              </a:spcBef>
+              <a:buNone/>
+            </a:pPr>
+            <a:endParaRPr/>
+          </a:p>
+        </p:txBody>
+      </p:sp>
+    </p:spTree>
+    <p:extLst>
+      <p:ext uri="{BB962C8B-B14F-4D97-AF65-F5344CB8AC3E}">
+        <p14:creationId xmlns:p14="http://schemas.microsoft.com/office/powerpoint/2010/main" val="894839979"/>
+      </p:ext>
+    </p:extLst>
+  </p:cSld>
+  <p:clrMapOvr>
+    <a:masterClrMapping/>
+  </p:clrMapOvr>
+</p:notes>
+</file>
+
+<file path=ppt/notesSlides/notesSlide11.xml><?xml version="1.0" encoding="utf-8"?>
+<p:notes xmlns:a="http://schemas.openxmlformats.org/drawingml/2006/main" xmlns:r="http://schemas.openxmlformats.org/officeDocument/2006/relationships" xmlns:p="http://schemas.openxmlformats.org/presentationml/2006/main" showMasterSp="0" showMasterPhAnim="0">
+  <p:cSld>
+    <p:spTree>
+      <p:nvGrpSpPr>
+        <p:cNvPr id="1" name="Shape 84"/>
+        <p:cNvGrpSpPr/>
+        <p:nvPr/>
+      </p:nvGrpSpPr>
+      <p:grpSpPr>
+        <a:xfrm>
+          <a:off x="0" y="0"/>
+          <a:ext cx="0" cy="0"/>
+          <a:chOff x="0" y="0"/>
+          <a:chExt cx="0" cy="0"/>
+        </a:xfrm>
+      </p:grpSpPr>
+      <p:sp>
+        <p:nvSpPr>
+          <p:cNvPr id="85" name="Shape 85"/>
+          <p:cNvSpPr>
+            <a:spLocks noGrp="1" noRot="1" noChangeAspect="1"/>
+          </p:cNvSpPr>
+          <p:nvPr>
+            <p:ph type="sldImg" idx="2"/>
+          </p:nvPr>
+        </p:nvSpPr>
+        <p:spPr>
+          <a:xfrm>
+            <a:off x="381000" y="685800"/>
+            <a:ext cx="6096000" cy="3429000"/>
+          </a:xfrm>
+          <a:custGeom>
+            <a:avLst/>
+            <a:gdLst/>
+            <a:ahLst/>
+            <a:cxnLst/>
+            <a:rect l="0" t="0" r="0" b="0"/>
+            <a:pathLst>
+              <a:path w="120000" h="120000" extrusionOk="0">
+                <a:moveTo>
+                  <a:pt x="0" y="0"/>
+                </a:moveTo>
+                <a:lnTo>
+                  <a:pt x="120000" y="0"/>
+                </a:lnTo>
+                <a:lnTo>
+                  <a:pt x="120000" y="120000"/>
+                </a:lnTo>
+                <a:lnTo>
+                  <a:pt x="0" y="120000"/>
+                </a:lnTo>
+                <a:close/>
+              </a:path>
+            </a:pathLst>
+          </a:custGeom>
+        </p:spPr>
+      </p:sp>
+      <p:sp>
+        <p:nvSpPr>
+          <p:cNvPr id="86" name="Shape 86"/>
+          <p:cNvSpPr txBox="1">
+            <a:spLocks noGrp="1"/>
+          </p:cNvSpPr>
+          <p:nvPr>
+            <p:ph type="body" idx="1"/>
+          </p:nvPr>
+        </p:nvSpPr>
+        <p:spPr>
+          <a:xfrm>
+            <a:off x="685800" y="4343400"/>
+            <a:ext cx="5486400" cy="4114800"/>
+          </a:xfrm>
+          <a:prstGeom prst="rect">
+            <a:avLst/>
+          </a:prstGeom>
+        </p:spPr>
+        <p:txBody>
+          <a:bodyPr lIns="91425" tIns="91425" rIns="91425" bIns="91425" anchor="t" anchorCtr="0">
+            <a:noAutofit/>
+          </a:bodyPr>
+          <a:lstStyle/>
+          <a:p>
+            <a:pPr lvl="0">
+              <a:spcBef>
+                <a:spcPts val="0"/>
+              </a:spcBef>
+              <a:buNone/>
+            </a:pPr>
+            <a:endParaRPr/>
+          </a:p>
+        </p:txBody>
+      </p:sp>
+    </p:spTree>
+    <p:extLst>
+      <p:ext uri="{BB962C8B-B14F-4D97-AF65-F5344CB8AC3E}">
+        <p14:creationId xmlns:p14="http://schemas.microsoft.com/office/powerpoint/2010/main" val="381799121"/>
+      </p:ext>
+    </p:extLst>
+  </p:cSld>
+  <p:clrMapOvr>
+    <a:masterClrMapping/>
+  </p:clrMapOvr>
+</p:notes>
+</file>
+
+<file path=ppt/notesSlides/notesSlide12.xml><?xml version="1.0" encoding="utf-8"?>
+<p:notes xmlns:a="http://schemas.openxmlformats.org/drawingml/2006/main" xmlns:r="http://schemas.openxmlformats.org/officeDocument/2006/relationships" xmlns:p="http://schemas.openxmlformats.org/presentationml/2006/main" showMasterSp="0" showMasterPhAnim="0">
+  <p:cSld>
+    <p:spTree>
+      <p:nvGrpSpPr>
+        <p:cNvPr id="1" name="Shape 84"/>
+        <p:cNvGrpSpPr/>
+        <p:nvPr/>
+      </p:nvGrpSpPr>
+      <p:grpSpPr>
+        <a:xfrm>
+          <a:off x="0" y="0"/>
+          <a:ext cx="0" cy="0"/>
+          <a:chOff x="0" y="0"/>
+          <a:chExt cx="0" cy="0"/>
+        </a:xfrm>
+      </p:grpSpPr>
+      <p:sp>
+        <p:nvSpPr>
+          <p:cNvPr id="85" name="Shape 85"/>
+          <p:cNvSpPr>
+            <a:spLocks noGrp="1" noRot="1" noChangeAspect="1"/>
+          </p:cNvSpPr>
+          <p:nvPr>
+            <p:ph type="sldImg" idx="2"/>
+          </p:nvPr>
+        </p:nvSpPr>
+        <p:spPr>
+          <a:xfrm>
+            <a:off x="381000" y="685800"/>
+            <a:ext cx="6096000" cy="3429000"/>
+          </a:xfrm>
+          <a:custGeom>
+            <a:avLst/>
+            <a:gdLst/>
+            <a:ahLst/>
+            <a:cxnLst/>
+            <a:rect l="0" t="0" r="0" b="0"/>
+            <a:pathLst>
+              <a:path w="120000" h="120000" extrusionOk="0">
+                <a:moveTo>
+                  <a:pt x="0" y="0"/>
+                </a:moveTo>
+                <a:lnTo>
+                  <a:pt x="120000" y="0"/>
+                </a:lnTo>
+                <a:lnTo>
+                  <a:pt x="120000" y="120000"/>
+                </a:lnTo>
+                <a:lnTo>
+                  <a:pt x="0" y="120000"/>
+                </a:lnTo>
+                <a:close/>
+              </a:path>
+            </a:pathLst>
+          </a:custGeom>
+        </p:spPr>
+      </p:sp>
+      <p:sp>
+        <p:nvSpPr>
+          <p:cNvPr id="86" name="Shape 86"/>
+          <p:cNvSpPr txBox="1">
+            <a:spLocks noGrp="1"/>
+          </p:cNvSpPr>
+          <p:nvPr>
+            <p:ph type="body" idx="1"/>
+          </p:nvPr>
+        </p:nvSpPr>
+        <p:spPr>
+          <a:xfrm>
+            <a:off x="685800" y="4343400"/>
+            <a:ext cx="5486400" cy="4114800"/>
+          </a:xfrm>
+          <a:prstGeom prst="rect">
+            <a:avLst/>
+          </a:prstGeom>
+        </p:spPr>
+        <p:txBody>
+          <a:bodyPr lIns="91425" tIns="91425" rIns="91425" bIns="91425" anchor="t" anchorCtr="0">
+            <a:noAutofit/>
+          </a:bodyPr>
+          <a:lstStyle/>
+          <a:p>
+            <a:pPr lvl="0">
+              <a:spcBef>
+                <a:spcPts val="0"/>
+              </a:spcBef>
+              <a:buNone/>
+            </a:pPr>
+            <a:endParaRPr/>
+          </a:p>
+        </p:txBody>
+      </p:sp>
+    </p:spTree>
+    <p:extLst>
+      <p:ext uri="{BB962C8B-B14F-4D97-AF65-F5344CB8AC3E}">
+        <p14:creationId xmlns:p14="http://schemas.microsoft.com/office/powerpoint/2010/main" val="2446207792"/>
+      </p:ext>
+    </p:extLst>
+  </p:cSld>
+  <p:clrMapOvr>
+    <a:masterClrMapping/>
+  </p:clrMapOvr>
+</p:notes>
+</file>
+
+<file path=ppt/notesSlides/notesSlide13.xml><?xml version="1.0" encoding="utf-8"?>
+<p:notes xmlns:a="http://schemas.openxmlformats.org/drawingml/2006/main" xmlns:r="http://schemas.openxmlformats.org/officeDocument/2006/relationships" xmlns:p="http://schemas.openxmlformats.org/presentationml/2006/main" showMasterSp="0" showMasterPhAnim="0">
+  <p:cSld>
+    <p:spTree>
+      <p:nvGrpSpPr>
+        <p:cNvPr id="1" name="Shape 90"/>
+        <p:cNvGrpSpPr/>
+        <p:nvPr/>
+      </p:nvGrpSpPr>
+      <p:grpSpPr>
+        <a:xfrm>
+          <a:off x="0" y="0"/>
+          <a:ext cx="0" cy="0"/>
+          <a:chOff x="0" y="0"/>
+          <a:chExt cx="0" cy="0"/>
+        </a:xfrm>
+      </p:grpSpPr>
+      <p:sp>
+        <p:nvSpPr>
+          <p:cNvPr id="91" name="Shape 91"/>
+          <p:cNvSpPr>
+            <a:spLocks noGrp="1" noRot="1" noChangeAspect="1"/>
+          </p:cNvSpPr>
+          <p:nvPr>
+            <p:ph type="sldImg" idx="2"/>
+          </p:nvPr>
+        </p:nvSpPr>
+        <p:spPr>
+          <a:xfrm>
+            <a:off x="381000" y="685800"/>
+            <a:ext cx="6096000" cy="3429000"/>
+          </a:xfrm>
+          <a:custGeom>
+            <a:avLst/>
+            <a:gdLst/>
+            <a:ahLst/>
+            <a:cxnLst/>
+            <a:rect l="0" t="0" r="0" b="0"/>
+            <a:pathLst>
+              <a:path w="120000" h="120000" extrusionOk="0">
+                <a:moveTo>
+                  <a:pt x="0" y="0"/>
+                </a:moveTo>
+                <a:lnTo>
+                  <a:pt x="120000" y="0"/>
+                </a:lnTo>
+                <a:lnTo>
+                  <a:pt x="120000" y="120000"/>
+                </a:lnTo>
+                <a:lnTo>
+                  <a:pt x="0" y="120000"/>
+                </a:lnTo>
+                <a:close/>
+              </a:path>
+            </a:pathLst>
+          </a:custGeom>
+        </p:spPr>
+      </p:sp>
+      <p:sp>
+        <p:nvSpPr>
           <p:cNvPr id="92" name="Shape 92"/>
           <p:cNvSpPr txBox="1">
             <a:spLocks noGrp="1"/>
@@ -706,7 +1027,7 @@
 </p:notes>
 </file>
 
-<file path=ppt/notesSlides/notesSlide11.xml><?xml version="1.0" encoding="utf-8"?>
+<file path=ppt/notesSlides/notesSlide14.xml><?xml version="1.0" encoding="utf-8"?>
 <p:notes xmlns:a="http://schemas.openxmlformats.org/drawingml/2006/main" xmlns:r="http://schemas.openxmlformats.org/officeDocument/2006/relationships" xmlns:p="http://schemas.openxmlformats.org/presentationml/2006/main" showMasterSp="0" showMasterPhAnim="0">
   <p:cSld>
     <p:spTree>
@@ -1650,7 +1971,7 @@
     </p:spTree>
     <p:extLst>
       <p:ext uri="{BB962C8B-B14F-4D97-AF65-F5344CB8AC3E}">
-        <p14:creationId xmlns:p14="http://schemas.microsoft.com/office/powerpoint/2010/main" val="2446207792"/>
+        <p14:creationId xmlns:p14="http://schemas.microsoft.com/office/powerpoint/2010/main" val="3090139993"/>
       </p:ext>
     </p:extLst>
   </p:cSld>
@@ -1886,7 +2207,7 @@
           <a:p>
             <a:fld id="{4BDF68E2-58F2-4D09-BE8B-E3BD06533059}" type="datetimeFigureOut">
               <a:rPr lang="en-US" smtClean="0"/>
-              <a:t>1/15/2017</a:t>
+              <a:t>1/16/2017</a:t>
             </a:fld>
             <a:endParaRPr lang="en-US" dirty="0"/>
           </a:p>
@@ -2109,7 +2430,7 @@
           <a:p>
             <a:fld id="{2E2D6473-DF6D-4702-B328-E0DD40540A4E}" type="datetimeFigureOut">
               <a:rPr lang="en-US" smtClean="0"/>
-              <a:t>1/15/2017</a:t>
+              <a:t>1/16/2017</a:t>
             </a:fld>
             <a:endParaRPr lang="en-US" dirty="0"/>
           </a:p>
@@ -2380,7 +2701,7 @@
           <a:p>
             <a:fld id="{E26F7E3A-B166-407D-9866-32884E7D5B37}" type="datetimeFigureOut">
               <a:rPr lang="en-US" smtClean="0"/>
-              <a:t>1/15/2017</a:t>
+              <a:t>1/16/2017</a:t>
             </a:fld>
             <a:endParaRPr lang="en-US" dirty="0"/>
           </a:p>
@@ -2798,7 +3119,7 @@
           <a:p>
             <a:fld id="{528FC5F6-F338-4AE4-BB23-26385BCFC423}" type="datetimeFigureOut">
               <a:rPr lang="en-US" smtClean="0"/>
-              <a:t>1/15/2017</a:t>
+              <a:t>1/16/2017</a:t>
             </a:fld>
             <a:endParaRPr lang="en-US" dirty="0"/>
           </a:p>
@@ -3156,7 +3477,7 @@
           <a:p>
             <a:fld id="{20EBB0C4-6273-4C6E-B9BD-2EDC30F1CD52}" type="datetimeFigureOut">
               <a:rPr lang="en-US" smtClean="0"/>
-              <a:t>1/15/2017</a:t>
+              <a:t>1/16/2017</a:t>
             </a:fld>
             <a:endParaRPr lang="en-US" dirty="0"/>
           </a:p>
@@ -3446,7 +3767,7 @@
           <a:p>
             <a:fld id="{19AB4D41-86C1-4908-B66A-0B50CEB3BF29}" type="datetimeFigureOut">
               <a:rPr lang="en-US" smtClean="0"/>
-              <a:t>1/15/2017</a:t>
+              <a:t>1/16/2017</a:t>
             </a:fld>
             <a:endParaRPr lang="en-US" dirty="0"/>
           </a:p>
@@ -3840,7 +4161,7 @@
           <a:p>
             <a:fld id="{E6426E2C-56C1-4E0D-A793-0088A7FDD37E}" type="datetimeFigureOut">
               <a:rPr lang="en-US" smtClean="0"/>
-              <a:t>1/15/2017</a:t>
+              <a:t>1/16/2017</a:t>
             </a:fld>
             <a:endParaRPr lang="en-US" dirty="0"/>
           </a:p>
@@ -3973,7 +4294,7 @@
           <a:p>
             <a:fld id="{C8C39B41-D8B5-4052-B551-9B5525EAA8B6}" type="datetimeFigureOut">
               <a:rPr lang="en-US" smtClean="0"/>
-              <a:t>1/15/2017</a:t>
+              <a:t>1/16/2017</a:t>
             </a:fld>
             <a:endParaRPr lang="en-US" dirty="0"/>
           </a:p>
@@ -4159,7 +4480,7 @@
           <a:p>
             <a:fld id="{4D94136C-8742-45B2-AF27-D93DF72833A9}" type="datetimeFigureOut">
               <a:rPr lang="en-US" smtClean="0"/>
-              <a:t>1/15/2017</a:t>
+              <a:t>1/16/2017</a:t>
             </a:fld>
             <a:endParaRPr lang="en-US" dirty="0"/>
           </a:p>
@@ -4528,7 +4849,7 @@
           <a:p>
             <a:fld id="{32ABBEA6-7C60-4B02-AE87-00D78D8422AF}" type="datetimeFigureOut">
               <a:rPr lang="en-US" smtClean="0"/>
-              <a:t>1/15/2017</a:t>
+              <a:t>1/16/2017</a:t>
             </a:fld>
             <a:endParaRPr lang="en-US" dirty="0"/>
           </a:p>
@@ -4920,7 +5241,7 @@
           <a:p>
             <a:fld id="{C9CAD897-D46E-4AD2-BD9B-49DD3E640873}" type="datetimeFigureOut">
               <a:rPr lang="en-US" smtClean="0"/>
-              <a:t>1/15/2017</a:t>
+              <a:t>1/16/2017</a:t>
             </a:fld>
             <a:endParaRPr lang="en-US" dirty="0"/>
           </a:p>
@@ -5222,7 +5543,7 @@
           <a:p>
             <a:fld id="{98624D31-43A5-475A-80CF-332C9F6DCF35}" type="datetimeFigureOut">
               <a:rPr lang="en-US" smtClean="0"/>
-              <a:t>1/15/2017</a:t>
+              <a:t>1/16/2017</a:t>
             </a:fld>
             <a:endParaRPr lang="en-US" dirty="0"/>
           </a:p>
@@ -5925,6 +6246,448 @@
   <p:cSld>
     <p:spTree>
       <p:nvGrpSpPr>
+        <p:cNvPr id="1" name="Shape 87"/>
+        <p:cNvGrpSpPr/>
+        <p:nvPr/>
+      </p:nvGrpSpPr>
+      <p:grpSpPr>
+        <a:xfrm>
+          <a:off x="0" y="0"/>
+          <a:ext cx="0" cy="0"/>
+          <a:chOff x="0" y="0"/>
+          <a:chExt cx="0" cy="0"/>
+        </a:xfrm>
+      </p:grpSpPr>
+      <p:sp>
+        <p:nvSpPr>
+          <p:cNvPr id="88" name="Shape 88"/>
+          <p:cNvSpPr txBox="1">
+            <a:spLocks noGrp="1"/>
+          </p:cNvSpPr>
+          <p:nvPr>
+            <p:ph type="title"/>
+          </p:nvPr>
+        </p:nvSpPr>
+        <p:spPr>
+          <a:xfrm>
+            <a:off x="903371" y="687072"/>
+            <a:ext cx="8520600" cy="572700"/>
+          </a:xfrm>
+          <a:prstGeom prst="rect">
+            <a:avLst/>
+          </a:prstGeom>
+        </p:spPr>
+        <p:txBody>
+          <a:bodyPr lIns="91425" tIns="91425" rIns="91425" bIns="91425" anchor="t" anchorCtr="0">
+            <a:noAutofit/>
+          </a:bodyPr>
+          <a:lstStyle/>
+          <a:p>
+            <a:pPr lvl="0">
+              <a:spcBef>
+                <a:spcPts val="0"/>
+              </a:spcBef>
+              <a:buNone/>
+            </a:pPr>
+            <a:r>
+              <a:rPr lang="zh-TW" dirty="0"/>
+              <a:t>資料統計 </a:t>
+            </a:r>
+            <a:r>
+              <a:rPr lang="zh-TW" dirty="0" smtClean="0"/>
+              <a:t>(</a:t>
+            </a:r>
+            <a:r>
+              <a:rPr lang="en-US" altLang="zh-TW" dirty="0" smtClean="0"/>
+              <a:t>#</a:t>
+            </a:r>
+            <a:r>
+              <a:rPr lang="zh-TW" altLang="en-US" dirty="0" smtClean="0"/>
+              <a:t> </a:t>
+            </a:r>
+            <a:r>
+              <a:rPr lang="en-US" altLang="zh-TW" dirty="0" smtClean="0"/>
+              <a:t>of comment - </a:t>
+            </a:r>
+            <a:r>
+              <a:rPr lang="en-US" altLang="zh-TW" dirty="0" err="1" smtClean="0"/>
+              <a:t>PostTime</a:t>
+            </a:r>
+            <a:r>
+              <a:rPr lang="zh-TW" dirty="0" smtClean="0"/>
+              <a:t>)</a:t>
+            </a:r>
+            <a:endParaRPr lang="zh-TW" dirty="0"/>
+          </a:p>
+        </p:txBody>
+      </p:sp>
+      <p:sp>
+        <p:nvSpPr>
+          <p:cNvPr id="89" name="Shape 89"/>
+          <p:cNvSpPr txBox="1">
+            <a:spLocks noGrp="1"/>
+          </p:cNvSpPr>
+          <p:nvPr>
+            <p:ph type="body" idx="1"/>
+          </p:nvPr>
+        </p:nvSpPr>
+        <p:spPr>
+          <a:xfrm>
+            <a:off x="311700" y="1349699"/>
+            <a:ext cx="8520600" cy="3416400"/>
+          </a:xfrm>
+          <a:prstGeom prst="rect">
+            <a:avLst/>
+          </a:prstGeom>
+        </p:spPr>
+        <p:txBody>
+          <a:bodyPr lIns="91425" tIns="91425" rIns="91425" bIns="91425" anchor="t" anchorCtr="0">
+            <a:noAutofit/>
+          </a:bodyPr>
+          <a:lstStyle/>
+          <a:p>
+            <a:pPr marL="457200" lvl="0" indent="-317500" rtl="0">
+              <a:spcBef>
+                <a:spcPts val="0"/>
+              </a:spcBef>
+              <a:buSzPct val="100000"/>
+            </a:pPr>
+            <a:endParaRPr lang="zh-TW" dirty="0"/>
+          </a:p>
+        </p:txBody>
+      </p:sp>
+      <p:pic>
+        <p:nvPicPr>
+          <p:cNvPr id="5" name="圖片 4"/>
+          <p:cNvPicPr>
+            <a:picLocks noChangeAspect="1"/>
+          </p:cNvPicPr>
+          <p:nvPr/>
+        </p:nvPicPr>
+        <p:blipFill>
+          <a:blip r:embed="rId3">
+            <a:extLst>
+              <a:ext uri="{28A0092B-C50C-407E-A947-70E740481C1C}">
+                <a14:useLocalDpi xmlns:a14="http://schemas.microsoft.com/office/drawing/2010/main" val="0"/>
+              </a:ext>
+            </a:extLst>
+          </a:blip>
+          <a:stretch>
+            <a:fillRect/>
+          </a:stretch>
+        </p:blipFill>
+        <p:spPr>
+          <a:xfrm>
+            <a:off x="198420" y="1349699"/>
+            <a:ext cx="3503488" cy="3503488"/>
+          </a:xfrm>
+          <a:prstGeom prst="rect">
+            <a:avLst/>
+          </a:prstGeom>
+        </p:spPr>
+      </p:pic>
+      <p:pic>
+        <p:nvPicPr>
+          <p:cNvPr id="6" name="圖片 5"/>
+          <p:cNvPicPr>
+            <a:picLocks noChangeAspect="1"/>
+          </p:cNvPicPr>
+          <p:nvPr/>
+        </p:nvPicPr>
+        <p:blipFill>
+          <a:blip r:embed="rId4">
+            <a:extLst>
+              <a:ext uri="{28A0092B-C50C-407E-A947-70E740481C1C}">
+                <a14:useLocalDpi xmlns:a14="http://schemas.microsoft.com/office/drawing/2010/main" val="0"/>
+              </a:ext>
+            </a:extLst>
+          </a:blip>
+          <a:stretch>
+            <a:fillRect/>
+          </a:stretch>
+        </p:blipFill>
+        <p:spPr>
+          <a:xfrm>
+            <a:off x="3648233" y="1735223"/>
+            <a:ext cx="3030876" cy="3030876"/>
+          </a:xfrm>
+          <a:prstGeom prst="rect">
+            <a:avLst/>
+          </a:prstGeom>
+        </p:spPr>
+      </p:pic>
+      <p:pic>
+        <p:nvPicPr>
+          <p:cNvPr id="7" name="圖片 6"/>
+          <p:cNvPicPr>
+            <a:picLocks noChangeAspect="1"/>
+          </p:cNvPicPr>
+          <p:nvPr/>
+        </p:nvPicPr>
+        <p:blipFill>
+          <a:blip r:embed="rId5">
+            <a:extLst>
+              <a:ext uri="{28A0092B-C50C-407E-A947-70E740481C1C}">
+                <a14:useLocalDpi xmlns:a14="http://schemas.microsoft.com/office/drawing/2010/main" val="0"/>
+              </a:ext>
+            </a:extLst>
+          </a:blip>
+          <a:stretch>
+            <a:fillRect/>
+          </a:stretch>
+        </p:blipFill>
+        <p:spPr>
+          <a:xfrm>
+            <a:off x="6188252" y="1058238"/>
+            <a:ext cx="3308279" cy="3308279"/>
+          </a:xfrm>
+          <a:prstGeom prst="rect">
+            <a:avLst/>
+          </a:prstGeom>
+        </p:spPr>
+      </p:pic>
+    </p:spTree>
+    <p:extLst>
+      <p:ext uri="{BB962C8B-B14F-4D97-AF65-F5344CB8AC3E}">
+        <p14:creationId xmlns:p14="http://schemas.microsoft.com/office/powerpoint/2010/main" val="1855511340"/>
+      </p:ext>
+    </p:extLst>
+  </p:cSld>
+  <p:clrMapOvr>
+    <a:masterClrMapping/>
+  </p:clrMapOvr>
+</p:sld>
+</file>
+
+<file path=ppt/slides/slide11.xml><?xml version="1.0" encoding="utf-8"?>
+<p:sld xmlns:a="http://schemas.openxmlformats.org/drawingml/2006/main" xmlns:r="http://schemas.openxmlformats.org/officeDocument/2006/relationships" xmlns:p="http://schemas.openxmlformats.org/presentationml/2006/main">
+  <p:cSld>
+    <p:spTree>
+      <p:nvGrpSpPr>
+        <p:cNvPr id="1" name="Shape 87"/>
+        <p:cNvGrpSpPr/>
+        <p:nvPr/>
+      </p:nvGrpSpPr>
+      <p:grpSpPr>
+        <a:xfrm>
+          <a:off x="0" y="0"/>
+          <a:ext cx="0" cy="0"/>
+          <a:chOff x="0" y="0"/>
+          <a:chExt cx="0" cy="0"/>
+        </a:xfrm>
+      </p:grpSpPr>
+      <p:sp>
+        <p:nvSpPr>
+          <p:cNvPr id="88" name="Shape 88"/>
+          <p:cNvSpPr txBox="1">
+            <a:spLocks noGrp="1"/>
+          </p:cNvSpPr>
+          <p:nvPr>
+            <p:ph type="title"/>
+          </p:nvPr>
+        </p:nvSpPr>
+        <p:spPr>
+          <a:xfrm>
+            <a:off x="903371" y="687072"/>
+            <a:ext cx="8520600" cy="572700"/>
+          </a:xfrm>
+          <a:prstGeom prst="rect">
+            <a:avLst/>
+          </a:prstGeom>
+        </p:spPr>
+        <p:txBody>
+          <a:bodyPr lIns="91425" tIns="91425" rIns="91425" bIns="91425" anchor="t" anchorCtr="0">
+            <a:noAutofit/>
+          </a:bodyPr>
+          <a:lstStyle/>
+          <a:p>
+            <a:pPr lvl="0">
+              <a:spcBef>
+                <a:spcPts val="0"/>
+              </a:spcBef>
+              <a:buNone/>
+            </a:pPr>
+            <a:r>
+              <a:rPr lang="zh-TW" dirty="0"/>
+              <a:t>資料統計 </a:t>
+            </a:r>
+            <a:r>
+              <a:rPr lang="zh-TW" dirty="0" smtClean="0"/>
+              <a:t>()</a:t>
+            </a:r>
+            <a:endParaRPr lang="zh-TW" dirty="0"/>
+          </a:p>
+        </p:txBody>
+      </p:sp>
+      <p:sp>
+        <p:nvSpPr>
+          <p:cNvPr id="89" name="Shape 89"/>
+          <p:cNvSpPr txBox="1">
+            <a:spLocks noGrp="1"/>
+          </p:cNvSpPr>
+          <p:nvPr>
+            <p:ph type="body" idx="1"/>
+          </p:nvPr>
+        </p:nvSpPr>
+        <p:spPr>
+          <a:xfrm>
+            <a:off x="311700" y="1349699"/>
+            <a:ext cx="8520600" cy="3416400"/>
+          </a:xfrm>
+          <a:prstGeom prst="rect">
+            <a:avLst/>
+          </a:prstGeom>
+        </p:spPr>
+        <p:txBody>
+          <a:bodyPr lIns="91425" tIns="91425" rIns="91425" bIns="91425" anchor="t" anchorCtr="0">
+            <a:noAutofit/>
+          </a:bodyPr>
+          <a:lstStyle/>
+          <a:p>
+            <a:pPr marL="457200" lvl="0" indent="-317500" rtl="0">
+              <a:spcBef>
+                <a:spcPts val="0"/>
+              </a:spcBef>
+              <a:buSzPct val="100000"/>
+            </a:pPr>
+            <a:endParaRPr lang="zh-TW" dirty="0"/>
+          </a:p>
+        </p:txBody>
+      </p:sp>
+    </p:spTree>
+    <p:extLst>
+      <p:ext uri="{BB962C8B-B14F-4D97-AF65-F5344CB8AC3E}">
+        <p14:creationId xmlns:p14="http://schemas.microsoft.com/office/powerpoint/2010/main" val="1920250335"/>
+      </p:ext>
+    </p:extLst>
+  </p:cSld>
+  <p:clrMapOvr>
+    <a:masterClrMapping/>
+  </p:clrMapOvr>
+</p:sld>
+</file>
+
+<file path=ppt/slides/slide12.xml><?xml version="1.0" encoding="utf-8"?>
+<p:sld xmlns:a="http://schemas.openxmlformats.org/drawingml/2006/main" xmlns:r="http://schemas.openxmlformats.org/officeDocument/2006/relationships" xmlns:p="http://schemas.openxmlformats.org/presentationml/2006/main">
+  <p:cSld>
+    <p:spTree>
+      <p:nvGrpSpPr>
+        <p:cNvPr id="1" name="Shape 87"/>
+        <p:cNvGrpSpPr/>
+        <p:nvPr/>
+      </p:nvGrpSpPr>
+      <p:grpSpPr>
+        <a:xfrm>
+          <a:off x="0" y="0"/>
+          <a:ext cx="0" cy="0"/>
+          <a:chOff x="0" y="0"/>
+          <a:chExt cx="0" cy="0"/>
+        </a:xfrm>
+      </p:grpSpPr>
+      <p:sp>
+        <p:nvSpPr>
+          <p:cNvPr id="88" name="Shape 88"/>
+          <p:cNvSpPr txBox="1">
+            <a:spLocks noGrp="1"/>
+          </p:cNvSpPr>
+          <p:nvPr>
+            <p:ph type="title"/>
+          </p:nvPr>
+        </p:nvSpPr>
+        <p:spPr>
+          <a:xfrm>
+            <a:off x="903371" y="687072"/>
+            <a:ext cx="8520600" cy="572700"/>
+          </a:xfrm>
+          <a:prstGeom prst="rect">
+            <a:avLst/>
+          </a:prstGeom>
+        </p:spPr>
+        <p:txBody>
+          <a:bodyPr lIns="91425" tIns="91425" rIns="91425" bIns="91425" anchor="t" anchorCtr="0">
+            <a:noAutofit/>
+          </a:bodyPr>
+          <a:lstStyle/>
+          <a:p>
+            <a:pPr lvl="0">
+              <a:spcBef>
+                <a:spcPts val="0"/>
+              </a:spcBef>
+              <a:buNone/>
+            </a:pPr>
+            <a:r>
+              <a:rPr lang="zh-TW" dirty="0"/>
+              <a:t>資料統計 </a:t>
+            </a:r>
+            <a:r>
+              <a:rPr lang="zh-TW" dirty="0" smtClean="0"/>
+              <a:t>(</a:t>
+            </a:r>
+            <a:r>
+              <a:rPr lang="en-US" altLang="zh-TW" dirty="0" smtClean="0"/>
+              <a:t>Monthly comment</a:t>
+            </a:r>
+            <a:r>
+              <a:rPr lang="zh-TW" dirty="0" smtClean="0"/>
+              <a:t>)</a:t>
+            </a:r>
+            <a:endParaRPr lang="zh-TW" dirty="0"/>
+          </a:p>
+        </p:txBody>
+      </p:sp>
+      <p:sp>
+        <p:nvSpPr>
+          <p:cNvPr id="89" name="Shape 89"/>
+          <p:cNvSpPr txBox="1">
+            <a:spLocks noGrp="1"/>
+          </p:cNvSpPr>
+          <p:nvPr>
+            <p:ph type="body" idx="1"/>
+          </p:nvPr>
+        </p:nvSpPr>
+        <p:spPr>
+          <a:xfrm>
+            <a:off x="311700" y="1349699"/>
+            <a:ext cx="8520600" cy="3416400"/>
+          </a:xfrm>
+          <a:prstGeom prst="rect">
+            <a:avLst/>
+          </a:prstGeom>
+        </p:spPr>
+        <p:txBody>
+          <a:bodyPr lIns="91425" tIns="91425" rIns="91425" bIns="91425" anchor="t" anchorCtr="0">
+            <a:noAutofit/>
+          </a:bodyPr>
+          <a:lstStyle/>
+          <a:p>
+            <a:pPr marL="457200" lvl="0" indent="-317500" rtl="0">
+              <a:spcBef>
+                <a:spcPts val="0"/>
+              </a:spcBef>
+              <a:buSzPct val="100000"/>
+            </a:pPr>
+            <a:endParaRPr lang="zh-TW" dirty="0"/>
+          </a:p>
+        </p:txBody>
+      </p:sp>
+    </p:spTree>
+    <p:extLst>
+      <p:ext uri="{BB962C8B-B14F-4D97-AF65-F5344CB8AC3E}">
+        <p14:creationId xmlns:p14="http://schemas.microsoft.com/office/powerpoint/2010/main" val="3279887790"/>
+      </p:ext>
+    </p:extLst>
+  </p:cSld>
+  <p:clrMapOvr>
+    <a:masterClrMapping/>
+  </p:clrMapOvr>
+</p:sld>
+</file>
+
+<file path=ppt/slides/slide13.xml><?xml version="1.0" encoding="utf-8"?>
+<p:sld xmlns:a="http://schemas.openxmlformats.org/drawingml/2006/main" xmlns:r="http://schemas.openxmlformats.org/officeDocument/2006/relationships" xmlns:p="http://schemas.openxmlformats.org/presentationml/2006/main">
+  <p:cSld>
+    <p:spTree>
+      <p:nvGrpSpPr>
         <p:cNvPr id="1" name="Shape 93"/>
         <p:cNvGrpSpPr/>
         <p:nvPr/>
@@ -6031,7 +6794,7 @@
 </p:sld>
 </file>
 
-<file path=ppt/slides/slide11.xml><?xml version="1.0" encoding="utf-8"?>
+<file path=ppt/slides/slide14.xml><?xml version="1.0" encoding="utf-8"?>
 <p:sld xmlns:a="http://schemas.openxmlformats.org/drawingml/2006/main" xmlns:r="http://schemas.openxmlformats.org/officeDocument/2006/relationships" xmlns:p="http://schemas.openxmlformats.org/presentationml/2006/main">
   <p:cSld>
     <p:spTree>
@@ -6840,21 +7603,7 @@
                 <a:latin typeface="微軟正黑體" panose="020B0604030504040204" pitchFamily="34" charset="-120"/>
                 <a:ea typeface="微軟正黑體" panose="020B0604030504040204" pitchFamily="34" charset="-120"/>
               </a:rPr>
-              <a:t>F</a:t>
-            </a:r>
-            <a:r>
-              <a:rPr lang="zh-TW" sz="1400" b="1" dirty="0">
-                <a:latin typeface="微軟正黑體" panose="020B0604030504040204" pitchFamily="34" charset="-120"/>
-                <a:ea typeface="微軟正黑體" panose="020B0604030504040204" pitchFamily="34" charset="-120"/>
-              </a:rPr>
-              <a:t>acebook粉絲回的commen</a:t>
-            </a:r>
-            <a:r>
-              <a:rPr lang="zh-TW" sz="1400" b="1" dirty="0" smtClean="0">
-                <a:latin typeface="微軟正黑體" panose="020B0604030504040204" pitchFamily="34" charset="-120"/>
-                <a:ea typeface="微軟正黑體" panose="020B0604030504040204" pitchFamily="34" charset="-120"/>
-              </a:rPr>
-              <a:t>t喜好</a:t>
+              <a:t>Facebook粉絲回的comment喜好</a:t>
             </a:r>
             <a:r>
               <a:rPr lang="en-US" altLang="zh-TW" sz="1400" dirty="0" smtClean="0">
@@ -6867,7 +7616,7 @@
           <a:p>
             <a:pPr marL="457200" indent="-228600"/>
             <a:r>
-              <a:rPr lang="zh-TW" altLang="zh-TW" sz="1400" dirty="0">
+              <a:rPr lang="zh-TW" altLang="zh-TW" sz="1400" dirty="0" smtClean="0">
                 <a:latin typeface="微軟正黑體" panose="020B0604030504040204" pitchFamily="34" charset="-120"/>
                 <a:ea typeface="微軟正黑體" panose="020B0604030504040204" pitchFamily="34" charset="-120"/>
               </a:rPr>
@@ -6937,49 +7686,49 @@
               <a:t>Mobile Taiwan</a:t>
             </a:r>
             <a:r>
-              <a:rPr lang="zh-TW" altLang="zh-TW" sz="1400" dirty="0">
+              <a:rPr lang="zh-TW" altLang="zh-TW" sz="1400" dirty="0" smtClean="0">
                 <a:latin typeface="微軟正黑體" panose="020B0604030504040204" pitchFamily="34" charset="-120"/>
                 <a:ea typeface="微軟正黑體" panose="020B0604030504040204" pitchFamily="34" charset="-120"/>
               </a:rPr>
               <a:t>]</a:t>
             </a:r>
             <a:r>
-              <a:rPr lang="zh-TW" altLang="en-US" sz="1400" dirty="0">
+              <a:rPr lang="zh-TW" altLang="en-US" sz="1400" dirty="0" smtClean="0">
                 <a:latin typeface="微軟正黑體" panose="020B0604030504040204" pitchFamily="34" charset="-120"/>
                 <a:ea typeface="微軟正黑體" panose="020B0604030504040204" pitchFamily="34" charset="-120"/>
               </a:rPr>
               <a:t>的</a:t>
             </a:r>
             <a:r>
-              <a:rPr lang="en-US" altLang="zh-TW" sz="1400" dirty="0">
+              <a:rPr lang="en-US" altLang="zh-TW" sz="1400" dirty="0" smtClean="0">
                 <a:latin typeface="微軟正黑體" panose="020B0604030504040204" pitchFamily="34" charset="-120"/>
                 <a:ea typeface="微軟正黑體" panose="020B0604030504040204" pitchFamily="34" charset="-120"/>
               </a:rPr>
               <a:t>comment</a:t>
             </a:r>
             <a:r>
-              <a:rPr lang="zh-TW" altLang="en-US" sz="1400" dirty="0">
+              <a:rPr lang="zh-TW" altLang="en-US" sz="1400" dirty="0" smtClean="0">
                 <a:latin typeface="微軟正黑體" panose="020B0604030504040204" pitchFamily="34" charset="-120"/>
                 <a:ea typeface="微軟正黑體" panose="020B0604030504040204" pitchFamily="34" charset="-120"/>
               </a:rPr>
               <a:t>大都跟 </a:t>
             </a:r>
             <a:r>
-              <a:rPr lang="en-US" altLang="zh-TW" sz="1400" dirty="0">
+              <a:rPr lang="en-US" altLang="zh-TW" sz="1400" dirty="0" smtClean="0">
                 <a:latin typeface="微軟正黑體" panose="020B0604030504040204" pitchFamily="34" charset="-120"/>
                 <a:ea typeface="微軟正黑體" panose="020B0604030504040204" pitchFamily="34" charset="-120"/>
               </a:rPr>
               <a:t>“</a:t>
             </a:r>
             <a:r>
-              <a:rPr lang="zh-TW" altLang="en-US" sz="1400" dirty="0">
+              <a:rPr lang="zh-TW" altLang="en-US" sz="1400" dirty="0" smtClean="0">
                 <a:latin typeface="微軟正黑體" panose="020B0604030504040204" pitchFamily="34" charset="-120"/>
                 <a:ea typeface="微軟正黑體" panose="020B0604030504040204" pitchFamily="34" charset="-120"/>
               </a:rPr>
               <a:t>買</a:t>
             </a:r>
             <a:r>
-              <a:rPr lang="en-US" altLang="zh-TW" sz="1400" dirty="0">
+              <a:rPr lang="en-US" altLang="zh-TW" sz="1400" dirty="0" smtClean="0">
                 <a:latin typeface="微軟正黑體" panose="020B0604030504040204" pitchFamily="34" charset="-120"/>
                 <a:ea typeface="微軟正黑體" panose="020B0604030504040204" pitchFamily="34" charset="-120"/>
               </a:rPr>
@@ -8300,8 +9049,20 @@
               <a:t>(</a:t>
             </a:r>
             <a:r>
-              <a:rPr lang="en-US" altLang="zh-TW" dirty="0" smtClean="0"/>
-              <a:t>Monthly comment</a:t>
+              <a:rPr lang="en-US" altLang="zh-TW" dirty="0" err="1" smtClean="0"/>
+              <a:t>Fanpage</a:t>
+            </a:r>
+            <a:r>
+              <a:rPr lang="zh-TW" altLang="en-US" dirty="0"/>
+              <a:t>按</a:t>
+            </a:r>
+            <a:r>
+              <a:rPr lang="zh-TW" altLang="en-US" dirty="0" smtClean="0"/>
+              <a:t>讚</a:t>
+            </a:r>
+            <a:r>
+              <a:rPr lang="zh-TW" altLang="en-US" dirty="0" smtClean="0"/>
+              <a:t>總人數</a:t>
             </a:r>
             <a:r>
               <a:rPr lang="zh-TW" dirty="0" smtClean="0"/>
@@ -8346,10 +9107,40 @@
           </a:p>
         </p:txBody>
       </p:sp>
+      <p:pic>
+        <p:nvPicPr>
+          <p:cNvPr id="5" name="圖片 4"/>
+          <p:cNvPicPr>
+            <a:picLocks noChangeAspect="1"/>
+          </p:cNvPicPr>
+          <p:nvPr/>
+        </p:nvPicPr>
+        <p:blipFill>
+          <a:blip r:embed="rId3">
+            <a:extLst>
+              <a:ext uri="{28A0092B-C50C-407E-A947-70E740481C1C}">
+                <a14:useLocalDpi xmlns:a14="http://schemas.microsoft.com/office/drawing/2010/main" val="0"/>
+              </a:ext>
+            </a:extLst>
+          </a:blip>
+          <a:stretch>
+            <a:fillRect/>
+          </a:stretch>
+        </p:blipFill>
+        <p:spPr>
+          <a:xfrm>
+            <a:off x="414244" y="1259772"/>
+            <a:ext cx="3883728" cy="3883728"/>
+          </a:xfrm>
+          <a:prstGeom prst="rect">
+            <a:avLst/>
+          </a:prstGeom>
+        </p:spPr>
+      </p:pic>
     </p:spTree>
     <p:extLst>
       <p:ext uri="{BB962C8B-B14F-4D97-AF65-F5344CB8AC3E}">
-        <p14:creationId xmlns:p14="http://schemas.microsoft.com/office/powerpoint/2010/main" val="3279887790"/>
+        <p14:creationId xmlns:p14="http://schemas.microsoft.com/office/powerpoint/2010/main" val="3812992032"/>
       </p:ext>
     </p:extLst>
   </p:cSld>
